--- a/slides/WSAA4.3 APIs in the wild cso_.pptx
+++ b/slides/WSAA4.3 APIs in the wild cso_.pptx
@@ -7,13 +7,11 @@
   <p:sldIdLst>
     <p:sldId id="256" r:id="rId2"/>
     <p:sldId id="257" r:id="rId3"/>
-    <p:sldId id="266" r:id="rId4"/>
-    <p:sldId id="264" r:id="rId5"/>
-    <p:sldId id="271" r:id="rId6"/>
-    <p:sldId id="270" r:id="rId7"/>
-    <p:sldId id="273" r:id="rId8"/>
-    <p:sldId id="275" r:id="rId9"/>
-    <p:sldId id="274" r:id="rId10"/>
+    <p:sldId id="264" r:id="rId4"/>
+    <p:sldId id="271" r:id="rId5"/>
+    <p:sldId id="270" r:id="rId6"/>
+    <p:sldId id="273" r:id="rId7"/>
+    <p:sldId id="274" r:id="rId8"/>
   </p:sldIdLst>
   <p:sldSz cx="12192000" cy="6858000"/>
   <p:notesSz cx="6858000" cy="9144000"/>
@@ -143,6 +141,59 @@
             <ac:spMk id="3" creationId="{1F7894DB-3759-4D39-90B5-7C7F36648995}"/>
           </ac:spMkLst>
         </pc:spChg>
+      </pc:sldChg>
+    </pc:docChg>
+  </pc:docChgLst>
+  <pc:docChgLst>
+    <pc:chgData name="Andrew Beatty" userId="ddf183e3-d1da-49e1-9619-81ceb6b4ef92" providerId="ADAL" clId="{3A1A0788-142D-48B5-9887-BF77A2C0C6CC}"/>
+    <pc:docChg chg="delSld modSld">
+      <pc:chgData name="Andrew Beatty" userId="ddf183e3-d1da-49e1-9619-81ceb6b4ef92" providerId="ADAL" clId="{3A1A0788-142D-48B5-9887-BF77A2C0C6CC}" dt="2024-02-15T14:32:24.237" v="3" actId="2696"/>
+      <pc:docMkLst>
+        <pc:docMk/>
+      </pc:docMkLst>
+      <pc:sldChg chg="modSp mod">
+        <pc:chgData name="Andrew Beatty" userId="ddf183e3-d1da-49e1-9619-81ceb6b4ef92" providerId="ADAL" clId="{3A1A0788-142D-48B5-9887-BF77A2C0C6CC}" dt="2024-02-15T14:31:43.745" v="0"/>
+        <pc:sldMkLst>
+          <pc:docMk/>
+          <pc:sldMk cId="1560032216" sldId="256"/>
+        </pc:sldMkLst>
+        <pc:spChg chg="mod">
+          <ac:chgData name="Andrew Beatty" userId="ddf183e3-d1da-49e1-9619-81ceb6b4ef92" providerId="ADAL" clId="{3A1A0788-142D-48B5-9887-BF77A2C0C6CC}" dt="2024-02-15T14:31:43.745" v="0"/>
+          <ac:spMkLst>
+            <pc:docMk/>
+            <pc:sldMk cId="1560032216" sldId="256"/>
+            <ac:spMk id="3" creationId="{93C118C7-43D2-46DB-A4CB-64F229138918}"/>
+          </ac:spMkLst>
+        </pc:spChg>
+      </pc:sldChg>
+      <pc:sldChg chg="del">
+        <pc:chgData name="Andrew Beatty" userId="ddf183e3-d1da-49e1-9619-81ceb6b4ef92" providerId="ADAL" clId="{3A1A0788-142D-48B5-9887-BF77A2C0C6CC}" dt="2024-02-15T14:31:54.570" v="1" actId="2696"/>
+        <pc:sldMkLst>
+          <pc:docMk/>
+          <pc:sldMk cId="3988567050" sldId="266"/>
+        </pc:sldMkLst>
+      </pc:sldChg>
+      <pc:sldChg chg="modSp mod">
+        <pc:chgData name="Andrew Beatty" userId="ddf183e3-d1da-49e1-9619-81ceb6b4ef92" providerId="ADAL" clId="{3A1A0788-142D-48B5-9887-BF77A2C0C6CC}" dt="2024-02-15T14:32:18.155" v="2" actId="1076"/>
+        <pc:sldMkLst>
+          <pc:docMk/>
+          <pc:sldMk cId="3266024586" sldId="273"/>
+        </pc:sldMkLst>
+        <pc:spChg chg="mod">
+          <ac:chgData name="Andrew Beatty" userId="ddf183e3-d1da-49e1-9619-81ceb6b4ef92" providerId="ADAL" clId="{3A1A0788-142D-48B5-9887-BF77A2C0C6CC}" dt="2024-02-15T14:32:18.155" v="2" actId="1076"/>
+          <ac:spMkLst>
+            <pc:docMk/>
+            <pc:sldMk cId="3266024586" sldId="273"/>
+            <ac:spMk id="2" creationId="{CA1D1C56-FA77-DCE9-4C69-E8E6B179D918}"/>
+          </ac:spMkLst>
+        </pc:spChg>
+      </pc:sldChg>
+      <pc:sldChg chg="del">
+        <pc:chgData name="Andrew Beatty" userId="ddf183e3-d1da-49e1-9619-81ceb6b4ef92" providerId="ADAL" clId="{3A1A0788-142D-48B5-9887-BF77A2C0C6CC}" dt="2024-02-15T14:32:24.237" v="3" actId="2696"/>
+        <pc:sldMkLst>
+          <pc:docMk/>
+          <pc:sldMk cId="3061023425" sldId="275"/>
+        </pc:sldMkLst>
       </pc:sldChg>
     </pc:docChg>
   </pc:docChgLst>
@@ -712,7 +763,7 @@
           <a:p>
             <a:fld id="{83284890-85D2-4D7B-8EF5-15A9C1DB8F42}" type="datetimeFigureOut">
               <a:rPr lang="en-US" dirty="0"/>
-              <a:t>10/9/2023</a:t>
+              <a:t>2/15/2024</a:t>
             </a:fld>
             <a:endParaRPr lang="en-US" dirty="0"/>
           </a:p>
@@ -887,7 +938,7 @@
           <a:p>
             <a:fld id="{87157CC2-0FC8-4686-B024-99790E0F5162}" type="datetimeFigureOut">
               <a:rPr lang="en-US" dirty="0"/>
-              <a:t>10/9/2023</a:t>
+              <a:t>2/15/2024</a:t>
             </a:fld>
             <a:endParaRPr lang="en-US" dirty="0"/>
           </a:p>
@@ -1062,7 +1113,7 @@
           <a:p>
             <a:fld id="{F6764DA5-CD3D-4590-A511-FCD3BC7A793E}" type="datetimeFigureOut">
               <a:rPr lang="en-US" dirty="0"/>
-              <a:t>10/9/2023</a:t>
+              <a:t>2/15/2024</a:t>
             </a:fld>
             <a:endParaRPr lang="en-US" dirty="0"/>
           </a:p>
@@ -1227,7 +1278,7 @@
           <a:p>
             <a:fld id="{82F5661D-6934-4B32-B92C-470368BF1EC6}" type="datetimeFigureOut">
               <a:rPr lang="en-US" dirty="0"/>
-              <a:t>10/9/2023</a:t>
+              <a:t>2/15/2024</a:t>
             </a:fld>
             <a:endParaRPr lang="en-US" dirty="0"/>
           </a:p>
@@ -1535,7 +1586,7 @@
           <a:p>
             <a:fld id="{C6F822A4-8DA6-4447-9B1F-C5DB58435268}" type="datetimeFigureOut">
               <a:rPr lang="en-US" dirty="0"/>
-              <a:t>10/9/2023</a:t>
+              <a:t>2/15/2024</a:t>
             </a:fld>
             <a:endParaRPr lang="en-US" dirty="0"/>
           </a:p>
@@ -1917,7 +1968,7 @@
           <a:p>
             <a:fld id="{E548D31E-DCDA-41A7-9C67-C4B11B94D21D}" type="datetimeFigureOut">
               <a:rPr lang="en-US" dirty="0"/>
-              <a:t>10/9/2023</a:t>
+              <a:t>2/15/2024</a:t>
             </a:fld>
             <a:endParaRPr lang="en-US" dirty="0"/>
           </a:p>
@@ -2346,7 +2397,7 @@
           <a:p>
             <a:fld id="{9B3762C0-B258-48F1-ADE6-176B4174CCDD}" type="datetimeFigureOut">
               <a:rPr lang="en-US" dirty="0"/>
-              <a:t>10/9/2023</a:t>
+              <a:t>2/15/2024</a:t>
             </a:fld>
             <a:endParaRPr lang="en-US" dirty="0"/>
           </a:p>
@@ -2459,7 +2510,7 @@
           <a:p>
             <a:fld id="{677919A6-33EB-49BD-A62F-1FA56B9F9712}" type="datetimeFigureOut">
               <a:rPr lang="en-US" dirty="0"/>
-              <a:t>10/9/2023</a:t>
+              <a:t>2/15/2024</a:t>
             </a:fld>
             <a:endParaRPr lang="en-US" dirty="0"/>
           </a:p>
@@ -2549,7 +2600,7 @@
           <a:p>
             <a:fld id="{CA4E7D1B-D673-4CF6-8672-009D42ABD2A0}" type="datetimeFigureOut">
               <a:rPr lang="en-US" dirty="0"/>
-              <a:t>10/9/2023</a:t>
+              <a:t>2/15/2024</a:t>
             </a:fld>
             <a:endParaRPr lang="en-US" dirty="0"/>
           </a:p>
@@ -2894,7 +2945,7 @@
           <a:p>
             <a:fld id="{DA16AA21-1863-4931-97CB-99D0A168701B}" type="datetimeFigureOut">
               <a:rPr lang="en-US" dirty="0"/>
-              <a:t>10/9/2023</a:t>
+              <a:t>2/15/2024</a:t>
             </a:fld>
             <a:endParaRPr lang="en-US" dirty="0"/>
           </a:p>
@@ -3314,7 +3365,7 @@
           <a:p>
             <a:fld id="{3772C379-9A7C-4C87-A116-CBE9F58B04C5}" type="datetimeFigureOut">
               <a:rPr lang="en-US" dirty="0"/>
-              <a:t>10/9/2023</a:t>
+              <a:t>2/15/2024</a:t>
             </a:fld>
             <a:endParaRPr lang="en-US" dirty="0"/>
           </a:p>
@@ -3590,7 +3641,7 @@
           <a:p>
             <a:fld id="{8664C608-40B1-4030-A28D-5B74BC98ADCE}" type="datetimeFigureOut">
               <a:rPr lang="en-US" dirty="0"/>
-              <a:t>10/9/2023</a:t>
+              <a:t>2/15/2024</a:t>
             </a:fld>
             <a:endParaRPr lang="en-US" dirty="0"/>
           </a:p>
@@ -4223,7 +4274,7 @@
           <a:p>
             <a:r>
               <a:rPr lang="en-IE" dirty="0"/>
-              <a:t>Data Representation</a:t>
+              <a:t>Web Services and Applications</a:t>
             </a:r>
             <a:endParaRPr lang="en-IE" dirty="0">
               <a:hlinkClick r:id="rId2"/>
@@ -4411,6 +4462,13 @@
             <a:schemeClr val="lt1"/>
           </a:fontRef>
         </p:style>
+        <p:txBody>
+          <a:bodyPr/>
+          <a:lstStyle/>
+          <a:p>
+            <a:endParaRPr lang="en-IE"/>
+          </a:p>
+        </p:txBody>
       </p:sp>
       <p:sp>
         <p:nvSpPr>
@@ -4485,6 +4543,13 @@
             <a:schemeClr val="lt1"/>
           </a:fontRef>
         </p:style>
+        <p:txBody>
+          <a:bodyPr/>
+          <a:lstStyle/>
+          <a:p>
+            <a:endParaRPr lang="en-IE"/>
+          </a:p>
+        </p:txBody>
       </p:sp>
       <p:sp>
         <p:nvSpPr>
@@ -4559,6 +4624,13 @@
             <a:schemeClr val="lt1"/>
           </a:fontRef>
         </p:style>
+        <p:txBody>
+          <a:bodyPr/>
+          <a:lstStyle/>
+          <a:p>
+            <a:endParaRPr lang="en-IE"/>
+          </a:p>
+        </p:txBody>
       </p:sp>
       <p:sp>
         <p:nvSpPr>
@@ -4890,36 +4962,6 @@
 </file>
 
 <file path=ppt/slides/slide3.xml><?xml version="1.0" encoding="utf-8"?>
-<p:sld xmlns:a="http://schemas.openxmlformats.org/drawingml/2006/main" xmlns:r="http://schemas.openxmlformats.org/officeDocument/2006/relationships" xmlns:p="http://schemas.openxmlformats.org/presentationml/2006/main">
-  <p:cSld>
-    <p:spTree>
-      <p:nvGrpSpPr>
-        <p:cNvPr id="1" name=""/>
-        <p:cNvGrpSpPr/>
-        <p:nvPr/>
-      </p:nvGrpSpPr>
-      <p:grpSpPr>
-        <a:xfrm>
-          <a:off x="0" y="0"/>
-          <a:ext cx="0" cy="0"/>
-          <a:chOff x="0" y="0"/>
-          <a:chExt cx="0" cy="0"/>
-        </a:xfrm>
-      </p:grpSpPr>
-    </p:spTree>
-    <p:extLst>
-      <p:ext uri="{BB962C8B-B14F-4D97-AF65-F5344CB8AC3E}">
-        <p14:creationId xmlns:p14="http://schemas.microsoft.com/office/powerpoint/2010/main" val="3988567050"/>
-      </p:ext>
-    </p:extLst>
-  </p:cSld>
-  <p:clrMapOvr>
-    <a:masterClrMapping/>
-  </p:clrMapOvr>
-</p:sld>
-</file>
-
-<file path=ppt/slides/slide4.xml><?xml version="1.0" encoding="utf-8"?>
 <p:sld xmlns:a="http://schemas.openxmlformats.org/drawingml/2006/main" xmlns:r="http://schemas.openxmlformats.org/officeDocument/2006/relationships" xmlns:p="http://schemas.openxmlformats.org/presentationml/2006/main">
   <p:cSld>
     <p:spTree>
@@ -6394,7 +6436,7 @@
 </p:sld>
 </file>
 
-<file path=ppt/slides/slide5.xml><?xml version="1.0" encoding="utf-8"?>
+<file path=ppt/slides/slide4.xml><?xml version="1.0" encoding="utf-8"?>
 <p:sld xmlns:a="http://schemas.openxmlformats.org/drawingml/2006/main" xmlns:r="http://schemas.openxmlformats.org/officeDocument/2006/relationships" xmlns:p="http://schemas.openxmlformats.org/presentationml/2006/main">
   <p:cSld>
     <p:spTree>
@@ -7517,7 +7559,7 @@
 </p:sld>
 </file>
 
-<file path=ppt/slides/slide6.xml><?xml version="1.0" encoding="utf-8"?>
+<file path=ppt/slides/slide5.xml><?xml version="1.0" encoding="utf-8"?>
 <p:sld xmlns:a="http://schemas.openxmlformats.org/drawingml/2006/main" xmlns:r="http://schemas.openxmlformats.org/officeDocument/2006/relationships" xmlns:p="http://schemas.openxmlformats.org/presentationml/2006/main">
   <p:cSld>
     <p:bg>
@@ -7675,6 +7717,13 @@
             <a:schemeClr val="lt1"/>
           </a:fontRef>
         </p:style>
+        <p:txBody>
+          <a:bodyPr/>
+          <a:lstStyle/>
+          <a:p>
+            <a:endParaRPr lang="en-IE"/>
+          </a:p>
+        </p:txBody>
       </p:sp>
       <p:sp>
         <p:nvSpPr>
@@ -7749,6 +7798,13 @@
             <a:schemeClr val="lt1"/>
           </a:fontRef>
         </p:style>
+        <p:txBody>
+          <a:bodyPr/>
+          <a:lstStyle/>
+          <a:p>
+            <a:endParaRPr lang="en-IE"/>
+          </a:p>
+        </p:txBody>
       </p:sp>
       <p:sp>
         <p:nvSpPr>
@@ -7823,6 +7879,13 @@
             <a:schemeClr val="lt1"/>
           </a:fontRef>
         </p:style>
+        <p:txBody>
+          <a:bodyPr/>
+          <a:lstStyle/>
+          <a:p>
+            <a:endParaRPr lang="en-IE"/>
+          </a:p>
+        </p:txBody>
       </p:sp>
       <p:sp>
         <p:nvSpPr>
@@ -8253,7 +8316,7 @@
 </p:sld>
 </file>
 
-<file path=ppt/slides/slide7.xml><?xml version="1.0" encoding="utf-8"?>
+<file path=ppt/slides/slide6.xml><?xml version="1.0" encoding="utf-8"?>
 <p:sld xmlns:a="http://schemas.openxmlformats.org/drawingml/2006/main" xmlns:r="http://schemas.openxmlformats.org/officeDocument/2006/relationships" xmlns:p="http://schemas.openxmlformats.org/presentationml/2006/main">
   <p:cSld>
     <p:spTree>
@@ -8284,7 +8347,7 @@
         </p:nvSpPr>
         <p:spPr>
           <a:xfrm>
-            <a:off x="534838" y="379562"/>
+            <a:off x="475462" y="0"/>
             <a:ext cx="11067690" cy="7563609"/>
           </a:xfrm>
           <a:prstGeom prst="rect">
@@ -9327,37 +9390,7 @@
 </p:sld>
 </file>
 
-<file path=ppt/slides/slide8.xml><?xml version="1.0" encoding="utf-8"?>
-<p:sld xmlns:a="http://schemas.openxmlformats.org/drawingml/2006/main" xmlns:r="http://schemas.openxmlformats.org/officeDocument/2006/relationships" xmlns:p="http://schemas.openxmlformats.org/presentationml/2006/main">
-  <p:cSld>
-    <p:spTree>
-      <p:nvGrpSpPr>
-        <p:cNvPr id="1" name=""/>
-        <p:cNvGrpSpPr/>
-        <p:nvPr/>
-      </p:nvGrpSpPr>
-      <p:grpSpPr>
-        <a:xfrm>
-          <a:off x="0" y="0"/>
-          <a:ext cx="0" cy="0"/>
-          <a:chOff x="0" y="0"/>
-          <a:chExt cx="0" cy="0"/>
-        </a:xfrm>
-      </p:grpSpPr>
-    </p:spTree>
-    <p:extLst>
-      <p:ext uri="{BB962C8B-B14F-4D97-AF65-F5344CB8AC3E}">
-        <p14:creationId xmlns:p14="http://schemas.microsoft.com/office/powerpoint/2010/main" val="3061023425"/>
-      </p:ext>
-    </p:extLst>
-  </p:cSld>
-  <p:clrMapOvr>
-    <a:masterClrMapping/>
-  </p:clrMapOvr>
-</p:sld>
-</file>
-
-<file path=ppt/slides/slide9.xml><?xml version="1.0" encoding="utf-8"?>
+<file path=ppt/slides/slide7.xml><?xml version="1.0" encoding="utf-8"?>
 <p:sld xmlns:a="http://schemas.openxmlformats.org/drawingml/2006/main" xmlns:r="http://schemas.openxmlformats.org/officeDocument/2006/relationships" xmlns:p="http://schemas.openxmlformats.org/presentationml/2006/main">
   <p:cSld>
     <p:spTree>
